--- a/meetingPPT/064_Joy_SystemDesignInterview_ChatSystem.pptx
+++ b/meetingPPT/064_Joy_SystemDesignInterview_ChatSystem.pptx
@@ -223,7 +223,7 @@
           <a:p>
             <a:fld id="{25A98AF0-1F74-476F-A84B-8772E8266C2D}" type="datetimeFigureOut">
               <a:rPr lang="en-US" smtClean="0"/>
-              <a:t>8/24/2022</a:t>
+              <a:t>8/28/2022</a:t>
             </a:fld>
             <a:endParaRPr lang="en-US"/>
           </a:p>
@@ -1305,7 +1305,7 @@
           <a:p>
             <a:fld id="{A697164D-0D15-429D-B3FC-95F50531BEE0}" type="datetimeFigureOut">
               <a:rPr lang="en-US" smtClean="0"/>
-              <a:t>8/24/2022</a:t>
+              <a:t>8/28/2022</a:t>
             </a:fld>
             <a:endParaRPr lang="en-US"/>
           </a:p>
@@ -1475,7 +1475,7 @@
           <a:p>
             <a:fld id="{A697164D-0D15-429D-B3FC-95F50531BEE0}" type="datetimeFigureOut">
               <a:rPr lang="en-US" smtClean="0"/>
-              <a:t>8/24/2022</a:t>
+              <a:t>8/28/2022</a:t>
             </a:fld>
             <a:endParaRPr lang="en-US"/>
           </a:p>
@@ -1655,7 +1655,7 @@
           <a:p>
             <a:fld id="{A697164D-0D15-429D-B3FC-95F50531BEE0}" type="datetimeFigureOut">
               <a:rPr lang="en-US" smtClean="0"/>
-              <a:t>8/24/2022</a:t>
+              <a:t>8/28/2022</a:t>
             </a:fld>
             <a:endParaRPr lang="en-US"/>
           </a:p>
@@ -1825,7 +1825,7 @@
           <a:p>
             <a:fld id="{A697164D-0D15-429D-B3FC-95F50531BEE0}" type="datetimeFigureOut">
               <a:rPr lang="en-US" smtClean="0"/>
-              <a:t>8/24/2022</a:t>
+              <a:t>8/28/2022</a:t>
             </a:fld>
             <a:endParaRPr lang="en-US"/>
           </a:p>
@@ -2071,7 +2071,7 @@
           <a:p>
             <a:fld id="{A697164D-0D15-429D-B3FC-95F50531BEE0}" type="datetimeFigureOut">
               <a:rPr lang="en-US" smtClean="0"/>
-              <a:t>8/24/2022</a:t>
+              <a:t>8/28/2022</a:t>
             </a:fld>
             <a:endParaRPr lang="en-US"/>
           </a:p>
@@ -2303,7 +2303,7 @@
           <a:p>
             <a:fld id="{A697164D-0D15-429D-B3FC-95F50531BEE0}" type="datetimeFigureOut">
               <a:rPr lang="en-US" smtClean="0"/>
-              <a:t>8/24/2022</a:t>
+              <a:t>8/28/2022</a:t>
             </a:fld>
             <a:endParaRPr lang="en-US"/>
           </a:p>
@@ -2670,7 +2670,7 @@
           <a:p>
             <a:fld id="{A697164D-0D15-429D-B3FC-95F50531BEE0}" type="datetimeFigureOut">
               <a:rPr lang="en-US" smtClean="0"/>
-              <a:t>8/24/2022</a:t>
+              <a:t>8/28/2022</a:t>
             </a:fld>
             <a:endParaRPr lang="en-US"/>
           </a:p>
@@ -2788,7 +2788,7 @@
           <a:p>
             <a:fld id="{A697164D-0D15-429D-B3FC-95F50531BEE0}" type="datetimeFigureOut">
               <a:rPr lang="en-US" smtClean="0"/>
-              <a:t>8/24/2022</a:t>
+              <a:t>8/28/2022</a:t>
             </a:fld>
             <a:endParaRPr lang="en-US"/>
           </a:p>
@@ -2883,7 +2883,7 @@
           <a:p>
             <a:fld id="{A697164D-0D15-429D-B3FC-95F50531BEE0}" type="datetimeFigureOut">
               <a:rPr lang="en-US" smtClean="0"/>
-              <a:t>8/24/2022</a:t>
+              <a:t>8/28/2022</a:t>
             </a:fld>
             <a:endParaRPr lang="en-US"/>
           </a:p>
@@ -3160,7 +3160,7 @@
           <a:p>
             <a:fld id="{A697164D-0D15-429D-B3FC-95F50531BEE0}" type="datetimeFigureOut">
               <a:rPr lang="en-US" smtClean="0"/>
-              <a:t>8/24/2022</a:t>
+              <a:t>8/28/2022</a:t>
             </a:fld>
             <a:endParaRPr lang="en-US"/>
           </a:p>
@@ -3413,7 +3413,7 @@
           <a:p>
             <a:fld id="{A697164D-0D15-429D-B3FC-95F50531BEE0}" type="datetimeFigureOut">
               <a:rPr lang="en-US" smtClean="0"/>
-              <a:t>8/24/2022</a:t>
+              <a:t>8/28/2022</a:t>
             </a:fld>
             <a:endParaRPr lang="en-US"/>
           </a:p>
@@ -3626,7 +3626,7 @@
           <a:p>
             <a:fld id="{A697164D-0D15-429D-B3FC-95F50531BEE0}" type="datetimeFigureOut">
               <a:rPr lang="en-US" smtClean="0"/>
-              <a:t>8/24/2022</a:t>
+              <a:t>8/28/2022</a:t>
             </a:fld>
             <a:endParaRPr lang="en-US"/>
           </a:p>
@@ -4897,7 +4897,6 @@
               <a:rPr lang="en-US" dirty="0"/>
               <a:t>[4], and Discord uses Cassandra [5].</a:t>
             </a:r>
-            <a:endParaRPr lang="en-US" dirty="0"/>
           </a:p>
         </p:txBody>
       </p:sp>
@@ -6943,7 +6942,6 @@
               <a:rPr lang="en-US" dirty="0"/>
               <a:t>the friend list.</a:t>
             </a:r>
-            <a:endParaRPr lang="en-US" dirty="0"/>
           </a:p>
         </p:txBody>
       </p:sp>
@@ -7573,12 +7571,11 @@
               <a:t>for resending </a:t>
             </a:r>
             <a:r>
-              <a:rPr lang="en-US" dirty="0">
+              <a:rPr lang="en-US" dirty="0" smtClean="0">
                 <a:latin typeface="LiberationSerif"/>
               </a:rPr>
               <a:t>messages</a:t>
             </a:r>
-            <a:endParaRPr lang="en-US" dirty="0"/>
           </a:p>
         </p:txBody>
       </p:sp>
@@ -7647,7 +7644,9 @@
         </p:nvSpPr>
         <p:spPr/>
         <p:txBody>
-          <a:bodyPr/>
+          <a:bodyPr>
+            <a:normAutofit/>
+          </a:bodyPr>
           <a:lstStyle/>
           <a:p>
             <a:pPr marL="0" indent="0">
@@ -7655,14 +7654,18 @@
             </a:pPr>
             <a:r>
               <a:rPr lang="en-US" dirty="0" smtClean="0"/>
-              <a:t>1: One on one chat data,  partition by? </a:t>
+              <a:t/>
             </a:r>
             <a:br>
               <a:rPr lang="en-US" dirty="0" smtClean="0"/>
             </a:br>
             <a:r>
               <a:rPr lang="en-US" dirty="0" smtClean="0"/>
-              <a:t>2: How can guarantee </a:t>
+              <a:t>1:How </a:t>
+            </a:r>
+            <a:r>
+              <a:rPr lang="en-US" dirty="0" smtClean="0"/>
+              <a:t>can guarantee </a:t>
             </a:r>
             <a:r>
               <a:rPr lang="en-US" dirty="0"/>
@@ -7670,8 +7673,55 @@
             </a:r>
             <a:r>
               <a:rPr lang="en-US" dirty="0" smtClean="0"/>
-              <a:t> different devices access the same services.</a:t>
-            </a:r>
+              <a:t> different devices access the same services</a:t>
+            </a:r>
+            <a:r>
+              <a:rPr lang="en-US" dirty="0" smtClean="0"/>
+              <a:t>.(Discovery services</a:t>
+            </a:r>
+            <a:r>
+              <a:rPr lang="en-US" dirty="0" smtClean="0"/>
+              <a:t>)</a:t>
+            </a:r>
+          </a:p>
+          <a:p>
+            <a:pPr marL="0" indent="0">
+              <a:buNone/>
+            </a:pPr>
+            <a:r>
+              <a:rPr lang="en-US" dirty="0" smtClean="0"/>
+              <a:t>2::</a:t>
+            </a:r>
+            <a:r>
+              <a:rPr lang="en-US" dirty="0" err="1" smtClean="0">
+                <a:latin typeface="LiberationSerif"/>
+              </a:rPr>
+              <a:t>ws</a:t>
+            </a:r>
+            <a:r>
+              <a:rPr lang="en-US" dirty="0" smtClean="0">
+                <a:latin typeface="LiberationSerif"/>
+              </a:rPr>
+              <a:t> </a:t>
+            </a:r>
+            <a:r>
+              <a:rPr lang="en-US" dirty="0" err="1" smtClean="0">
+                <a:latin typeface="LiberationSerif"/>
+              </a:rPr>
+              <a:t>vs</a:t>
+            </a:r>
+            <a:r>
+              <a:rPr lang="en-US" dirty="0" smtClean="0">
+                <a:latin typeface="LiberationSerif"/>
+              </a:rPr>
+              <a:t> heartbeat</a:t>
+            </a:r>
+            <a:endParaRPr lang="en-US" dirty="0" smtClean="0"/>
+          </a:p>
+          <a:p>
+            <a:pPr marL="0" indent="0">
+              <a:buNone/>
+            </a:pPr>
             <a:endParaRPr lang="en-US" dirty="0"/>
           </a:p>
         </p:txBody>
@@ -7778,16 +7828,15 @@
             </a:pPr>
             <a:r>
               <a:rPr lang="en-US" dirty="0"/>
-              <a:t>• Multiple device support. The same account can be logged in to multiple accounts at the</a:t>
-            </a:r>
-          </a:p>
-          <a:p>
-            <a:pPr marL="0" indent="0">
-              <a:buNone/>
-            </a:pPr>
+              <a:t>• Multiple device support. The same account can be logged in to multiple accounts at </a:t>
+            </a:r>
+            <a:r>
+              <a:rPr lang="en-US" dirty="0" smtClean="0"/>
+              <a:t>the same </a:t>
+            </a:r>
             <a:r>
               <a:rPr lang="en-US" dirty="0"/>
-              <a:t>same time.</a:t>
+              <a:t>time.</a:t>
             </a:r>
           </a:p>
           <a:p>
